--- a/Template/Endurance.pptx
+++ b/Template/Endurance.pptx
@@ -8,8 +8,6 @@
     <p:sldId id="256" r:id="rId7"/>
     <p:sldId id="257" r:id="rId8"/>
     <p:sldId id="258" r:id="rId9"/>
-    <p:sldId id="259" r:id="rId10"/>
-    <p:sldId id="260" r:id="rId11"/>
   </p:sldIdLst>
   <p:sldSz cx="9144000" cy="6858000" type="screen4x3"/>
   <p:notesSz cx="6858000" cy="9144000"/>
@@ -3109,7 +3107,7 @@
           <a:p>
             <a:r>
               <a:rPr sz="9000"/>
-              <a:t>Single Pulse Del IDS</a:t>
+              <a:t>Estabilidade</a:t>
             </a:r>
           </a:p>
         </p:txBody>
@@ -3225,15 +3223,15 @@
           <a:lstStyle/>
           <a:p>
             <a:r>
-              <a:rPr sz="2400"/>
-              <a:t>Stability Standard Chip 1 Disp 1 KCl 0.8 V.png</a:t>
+              <a:rPr sz="3600"/>
+              <a:t>KCl</a:t>
             </a:r>
           </a:p>
         </p:txBody>
       </p:sp>
       <p:pic>
         <p:nvPicPr>
-          <p:cNvPr id="4" name="Picture 3" descr="Stability Standard Chip 1 Disp 1 KCl 0.8 V.png"/>
+          <p:cNvPr id="4" name="Picture 3" descr="Stability Standard Chip 1 Disp 1_KCl_0.8 V.png"/>
           <p:cNvPicPr>
             <a:picLocks noChangeAspect="1"/>
           </p:cNvPicPr>
@@ -3247,8 +3245,32 @@
         </p:blipFill>
         <p:spPr>
           <a:xfrm>
-            <a:off x="1371600" y="731520"/>
-            <a:ext cx="3048000" cy="3048000"/>
+            <a:off x="0" y="1097280"/>
+            <a:ext cx="4762500" cy="4762500"/>
+          </a:xfrm>
+          <a:prstGeom prst="rect">
+            <a:avLst/>
+          </a:prstGeom>
+        </p:spPr>
+      </p:pic>
+      <p:pic>
+        <p:nvPicPr>
+          <p:cNvPr id="5" name="Picture 4" descr="Stability Standard Chip 2 Disp 1_KCl_0.1 V.png"/>
+          <p:cNvPicPr>
+            <a:picLocks noChangeAspect="1"/>
+          </p:cNvPicPr>
+          <p:nvPr/>
+        </p:nvPicPr>
+        <p:blipFill>
+          <a:blip r:embed="rId4"/>
+          <a:stretch>
+            <a:fillRect/>
+          </a:stretch>
+        </p:blipFill>
+        <p:spPr>
+          <a:xfrm>
+            <a:off x="4762500" y="1097280"/>
+            <a:ext cx="4762500" cy="4762500"/>
           </a:xfrm>
           <a:prstGeom prst="rect">
             <a:avLst/>
@@ -3320,15 +3342,15 @@
           <a:lstStyle/>
           <a:p>
             <a:r>
-              <a:rPr sz="2400"/>
-              <a:t>Stability Standard Chip 1 Disp 2 MgCl2 0.8 V.png</a:t>
+              <a:rPr sz="3600"/>
+              <a:t>MgCl2</a:t>
             </a:r>
           </a:p>
         </p:txBody>
       </p:sp>
       <p:pic>
         <p:nvPicPr>
-          <p:cNvPr id="4" name="Picture 3" descr="Stability Standard Chip 1 Disp 2 MgCl2 0.8 V.png"/>
+          <p:cNvPr id="4" name="Picture 3" descr="Stability Standard Chip 1 Disp 2_MgCl2_0.8 V.png"/>
           <p:cNvPicPr>
             <a:picLocks noChangeAspect="1"/>
           </p:cNvPicPr>
@@ -3342,198 +3364,32 @@
         </p:blipFill>
         <p:spPr>
           <a:xfrm>
-            <a:off x="1371600" y="731520"/>
-            <a:ext cx="3048000" cy="3048000"/>
+            <a:off x="0" y="1097280"/>
+            <a:ext cx="4762500" cy="4762500"/>
           </a:xfrm>
           <a:prstGeom prst="rect">
             <a:avLst/>
           </a:prstGeom>
         </p:spPr>
       </p:pic>
-    </p:spTree>
-  </p:cSld>
-  <p:clrMapOvr>
-    <a:masterClrMapping/>
-  </p:clrMapOvr>
-</p:sld>
-</file>
-
-<file path=ppt/slides/slide4.xml><?xml version="1.0" encoding="utf-8"?>
-<p:sld xmlns:a="http://schemas.openxmlformats.org/drawingml/2006/main" xmlns:p="http://schemas.openxmlformats.org/presentationml/2006/main" xmlns:r="http://schemas.openxmlformats.org/officeDocument/2006/relationships">
-  <p:cSld>
-    <p:spTree>
-      <p:nvGrpSpPr>
-        <p:cNvPr id="1" name=""/>
-        <p:cNvGrpSpPr/>
-        <p:nvPr/>
-      </p:nvGrpSpPr>
-      <p:grpSpPr/>
       <p:pic>
         <p:nvPicPr>
-          <p:cNvPr id="2" name="Picture 1" descr="cnpem.png"/>
+          <p:cNvPr id="5" name="Picture 4" descr="Stability Standard Chip 1 Disp 3_MgCl2_0.1 V.png"/>
           <p:cNvPicPr>
             <a:picLocks noChangeAspect="1"/>
           </p:cNvPicPr>
           <p:nvPr/>
         </p:nvPicPr>
         <p:blipFill>
-          <a:blip r:embed="rId2"/>
+          <a:blip r:embed="rId4"/>
           <a:stretch>
             <a:fillRect/>
           </a:stretch>
         </p:blipFill>
         <p:spPr>
           <a:xfrm>
-            <a:off x="7315200" y="9144"/>
-            <a:ext cx="1543050" cy="809625"/>
-          </a:xfrm>
-          <a:prstGeom prst="rect">
-            <a:avLst/>
-          </a:prstGeom>
-        </p:spPr>
-      </p:pic>
-      <p:sp>
-        <p:nvSpPr>
-          <p:cNvPr id="3" name="TextBox 2"/>
-          <p:cNvSpPr txBox="1"/>
-          <p:nvPr/>
-        </p:nvSpPr>
-        <p:spPr>
-          <a:xfrm>
-            <a:off x="457200" y="182880"/>
-            <a:ext cx="8229600" cy="914400"/>
-          </a:xfrm>
-          <a:prstGeom prst="rect">
-            <a:avLst/>
-          </a:prstGeom>
-          <a:noFill/>
-        </p:spPr>
-        <p:txBody>
-          <a:bodyPr wrap="none">
-            <a:spAutoFit/>
-          </a:bodyPr>
-          <a:lstStyle/>
-          <a:p>
-            <a:r>
-              <a:rPr sz="2400"/>
-              <a:t>Stability Standard Chip 1 Disp 3 MgCl2 0.1 V.png</a:t>
-            </a:r>
-          </a:p>
-        </p:txBody>
-      </p:sp>
-      <p:pic>
-        <p:nvPicPr>
-          <p:cNvPr id="4" name="Picture 3" descr="Stability Standard Chip 1 Disp 3 MgCl2 0.1 V.png"/>
-          <p:cNvPicPr>
-            <a:picLocks noChangeAspect="1"/>
-          </p:cNvPicPr>
-          <p:nvPr/>
-        </p:nvPicPr>
-        <p:blipFill>
-          <a:blip r:embed="rId3"/>
-          <a:stretch>
-            <a:fillRect/>
-          </a:stretch>
-        </p:blipFill>
-        <p:spPr>
-          <a:xfrm>
-            <a:off x="4428744" y="731520"/>
-            <a:ext cx="3048000" cy="3048000"/>
-          </a:xfrm>
-          <a:prstGeom prst="rect">
-            <a:avLst/>
-          </a:prstGeom>
-        </p:spPr>
-      </p:pic>
-    </p:spTree>
-  </p:cSld>
-  <p:clrMapOvr>
-    <a:masterClrMapping/>
-  </p:clrMapOvr>
-</p:sld>
-</file>
-
-<file path=ppt/slides/slide5.xml><?xml version="1.0" encoding="utf-8"?>
-<p:sld xmlns:a="http://schemas.openxmlformats.org/drawingml/2006/main" xmlns:p="http://schemas.openxmlformats.org/presentationml/2006/main" xmlns:r="http://schemas.openxmlformats.org/officeDocument/2006/relationships">
-  <p:cSld>
-    <p:spTree>
-      <p:nvGrpSpPr>
-        <p:cNvPr id="1" name=""/>
-        <p:cNvGrpSpPr/>
-        <p:nvPr/>
-      </p:nvGrpSpPr>
-      <p:grpSpPr/>
-      <p:pic>
-        <p:nvPicPr>
-          <p:cNvPr id="2" name="Picture 1" descr="cnpem.png"/>
-          <p:cNvPicPr>
-            <a:picLocks noChangeAspect="1"/>
-          </p:cNvPicPr>
-          <p:nvPr/>
-        </p:nvPicPr>
-        <p:blipFill>
-          <a:blip r:embed="rId2"/>
-          <a:stretch>
-            <a:fillRect/>
-          </a:stretch>
-        </p:blipFill>
-        <p:spPr>
-          <a:xfrm>
-            <a:off x="7315200" y="9144"/>
-            <a:ext cx="1543050" cy="809625"/>
-          </a:xfrm>
-          <a:prstGeom prst="rect">
-            <a:avLst/>
-          </a:prstGeom>
-        </p:spPr>
-      </p:pic>
-      <p:sp>
-        <p:nvSpPr>
-          <p:cNvPr id="3" name="TextBox 2"/>
-          <p:cNvSpPr txBox="1"/>
-          <p:nvPr/>
-        </p:nvSpPr>
-        <p:spPr>
-          <a:xfrm>
-            <a:off x="457200" y="182880"/>
-            <a:ext cx="8229600" cy="914400"/>
-          </a:xfrm>
-          <a:prstGeom prst="rect">
-            <a:avLst/>
-          </a:prstGeom>
-          <a:noFill/>
-        </p:spPr>
-        <p:txBody>
-          <a:bodyPr wrap="none">
-            <a:spAutoFit/>
-          </a:bodyPr>
-          <a:lstStyle/>
-          <a:p>
-            <a:r>
-              <a:rPr sz="2400"/>
-              <a:t>Stability Standard Chip 2 Disp 1 KCl 0.1 V.png</a:t>
-            </a:r>
-          </a:p>
-        </p:txBody>
-      </p:sp>
-      <p:pic>
-        <p:nvPicPr>
-          <p:cNvPr id="4" name="Picture 3" descr="Stability Standard Chip 2 Disp 1 KCl 0.1 V.png"/>
-          <p:cNvPicPr>
-            <a:picLocks noChangeAspect="1"/>
-          </p:cNvPicPr>
-          <p:nvPr/>
-        </p:nvPicPr>
-        <p:blipFill>
-          <a:blip r:embed="rId3"/>
-          <a:stretch>
-            <a:fillRect/>
-          </a:stretch>
-        </p:blipFill>
-        <p:spPr>
-          <a:xfrm>
-            <a:off x="4428744" y="731520"/>
-            <a:ext cx="3048000" cy="3048000"/>
+            <a:off x="4762500" y="1097280"/>
+            <a:ext cx="4762500" cy="4762500"/>
           </a:xfrm>
           <a:prstGeom prst="rect">
             <a:avLst/>

--- a/Template/Endurance.pptx
+++ b/Template/Endurance.pptx
@@ -3270,6 +3270,30 @@
         <p:spPr>
           <a:xfrm>
             <a:off x="4762500" y="1097280"/>
+            <a:ext cx="4762500" cy="4762500"/>
+          </a:xfrm>
+          <a:prstGeom prst="rect">
+            <a:avLst/>
+          </a:prstGeom>
+        </p:spPr>
+      </p:pic>
+      <p:pic>
+        <p:nvPicPr>
+          <p:cNvPr id="6" name="Picture 5" descr="Stability Standard Chip 7 Disp 1_KCl_0.8 V.png"/>
+          <p:cNvPicPr>
+            <a:picLocks noChangeAspect="1"/>
+          </p:cNvPicPr>
+          <p:nvPr/>
+        </p:nvPicPr>
+        <p:blipFill>
+          <a:blip r:embed="rId5"/>
+          <a:stretch>
+            <a:fillRect/>
+          </a:stretch>
+        </p:blipFill>
+        <p:spPr>
+          <a:xfrm>
+            <a:off x="0" y="1097280"/>
             <a:ext cx="4762500" cy="4762500"/>
           </a:xfrm>
           <a:prstGeom prst="rect">
